--- a/part3/191002_part3.pptx
+++ b/part3/191002_part3.pptx
@@ -320,6 +320,7 @@
 <p1510:revInfo xmlns:a="http://schemas.openxmlformats.org/drawingml/2006/main" xmlns:r="http://schemas.openxmlformats.org/officeDocument/2006/relationships" xmlns:p1510="http://schemas.microsoft.com/office/powerpoint/2015/10/main">
   <p1510:revLst>
     <p1510:client id="{3134031B-D4B6-437E-AA0E-1DEC37AA25D7}" v="845" dt="2019-10-01T21:32:12.488"/>
+    <p1510:client id="{AE63CF36-0C1D-47E5-8F17-E1F46BACD9DD}" v="3" dt="2019-10-02T03:32:59.332"/>
   </p1510:revLst>
 </p1510:revInfo>
 </file>
@@ -9502,7 +9503,7 @@
         <p:spPr>
           <a:xfrm>
             <a:off x="98250" y="884752"/>
-            <a:ext cx="8826600" cy="738664"/>
+            <a:ext cx="8826600" cy="1384995"/>
           </a:xfrm>
           <a:prstGeom prst="rect">
             <a:avLst/>
@@ -9545,7 +9546,36 @@
             </a:r>
             <a:r>
               <a:rPr lang="fr-FR" altLang="ko-KR" dirty="0"/>
-              <a:t> https://github.com/hengluchang/visualizing_contextual_vectors/blob/master/elmo_vis.py</a:t>
+              <a:t> </a:t>
+            </a:r>
+            <a:r>
+              <a:rPr lang="fr-FR" altLang="ko-KR" dirty="0">
+                <a:hlinkClick r:id="rId2"/>
+              </a:rPr>
+              <a:t>https://github.com/hengluchang/visualizing_contextual_vectors/blob/master/elmo_vis.py</a:t>
+            </a:r>
+            <a:endParaRPr lang="fr-FR" altLang="ko-KR" dirty="0"/>
+          </a:p>
+          <a:p>
+            <a:r>
+              <a:rPr lang="en-US" altLang="ko-KR" dirty="0"/>
+              <a:t>[4]</a:t>
+            </a:r>
+            <a:r>
+              <a:rPr lang="ko-KR" altLang="en-US" dirty="0"/>
+              <a:t> </a:t>
+            </a:r>
+            <a:r>
+              <a:rPr lang="en-US" altLang="ko-KR" dirty="0">
+                <a:hlinkClick r:id="rId3"/>
+              </a:rPr>
+              <a:t>h</a:t>
+            </a:r>
+            <a:r>
+              <a:rPr lang="en-US" altLang="ko-KR" dirty="0">
+                <a:hlinkClick r:id="rId3"/>
+              </a:rPr>
+              <a:t>ttps://github.com/kamujun/elmo_experiments/blob/master/elmo_experiment/notebooks/elmo_text_classification_on_imdb.ipynb</a:t>
             </a:r>
             <a:endParaRPr lang="en-US" altLang="ko-KR" dirty="0"/>
           </a:p>
@@ -12881,8 +12911,8 @@
           </a:extLst>
         </p:spPr>
       </p:pic>
-      <mc:AlternateContent xmlns:mc="http://schemas.openxmlformats.org/markup-compatibility/2006">
-        <mc:Choice xmlns:a14="http://schemas.microsoft.com/office/drawing/2010/main" Requires="a14">
+      <mc:AlternateContent xmlns:mc="http://schemas.openxmlformats.org/markup-compatibility/2006" xmlns:a14="http://schemas.microsoft.com/office/drawing/2010/main">
+        <mc:Choice Requires="a14">
           <p:sp>
             <p:nvSpPr>
               <p:cNvPr id="7" name="TextBox 6">
@@ -12921,6 +12951,7 @@
                 </a:r>
               </a:p>
               <a:p>
+                <a:pPr/>
                 <a14:m>
                   <m:oMathPara xmlns:m="http://schemas.openxmlformats.org/officeDocument/2006/math">
                     <m:oMathParaPr>
@@ -13427,7 +13458,13 @@
                                         <a:rPr lang="en-US" altLang="ko-KR" b="0" i="1" smtClean="0">
                                           <a:latin typeface="Cambria Math" panose="02040503050406030204" pitchFamily="18" charset="0"/>
                                         </a:rPr>
-                                        <m:t>𝐿𝑆𝑇𝑀</m:t>
+                                        <m:t>𝐿</m:t>
+                                      </m:r>
+                                      <m:r>
+                                        <a:rPr lang="en-US" altLang="ko-KR" b="0" i="1" smtClean="0">
+                                          <a:latin typeface="Cambria Math" panose="02040503050406030204" pitchFamily="18" charset="0"/>
+                                        </a:rPr>
+                                        <m:t>𝑆𝑇𝑀</m:t>
                                       </m:r>
                                     </m:sub>
                                   </m:sSub>
@@ -13562,6 +13599,7 @@
                 </a:endParaRPr>
               </a:p>
               <a:p>
+                <a:pPr/>
                 <a14:m>
                   <m:oMathPara xmlns:m="http://schemas.openxmlformats.org/officeDocument/2006/math">
                     <m:oMathParaPr>
@@ -13835,7 +13873,7 @@
             </p:txBody>
           </p:sp>
         </mc:Choice>
-        <mc:Fallback>
+        <mc:Fallback xmlns="">
           <p:sp>
             <p:nvSpPr>
               <p:cNvPr id="7" name="TextBox 6">
